--- a/dojo_strategy.pptx
+++ b/dojo_strategy.pptx
@@ -14,9 +14,7 @@
     <p:sldId id="262" r:id="rId8"/>
     <p:sldId id="263" r:id="rId9"/>
     <p:sldId id="265" r:id="rId10"/>
-    <p:sldId id="266" r:id="rId11"/>
-    <p:sldId id="267" r:id="rId12"/>
-    <p:sldId id="264" r:id="rId13"/>
+    <p:sldId id="264" r:id="rId11"/>
   </p:sldIdLst>
   <p:sldSz cx="9144000" cy="5143500" type="screen16x9"/>
   <p:notesSz cx="6858000" cy="9144000"/>
@@ -4700,466 +4698,6 @@
 </p:sld>
 </file>
 
-<file path=ppt/slides/slide10.xml><?xml version="1.0" encoding="utf-8"?>
-<p:sld xmlns:a="http://schemas.openxmlformats.org/drawingml/2006/main" xmlns:r="http://schemas.openxmlformats.org/officeDocument/2006/relationships" xmlns:p="http://schemas.openxmlformats.org/presentationml/2006/main">
-  <p:cSld>
-    <p:spTree>
-      <p:nvGrpSpPr>
-        <p:cNvPr id="1" name=""/>
-        <p:cNvGrpSpPr/>
-        <p:nvPr/>
-      </p:nvGrpSpPr>
-      <p:grpSpPr>
-        <a:xfrm>
-          <a:off x="0" y="0"/>
-          <a:ext cx="0" cy="0"/>
-          <a:chOff x="0" y="0"/>
-          <a:chExt cx="0" cy="0"/>
-        </a:xfrm>
-      </p:grpSpPr>
-      <p:sp>
-        <p:nvSpPr>
-          <p:cNvPr id="234" name="TextShape 4"/>
-          <p:cNvSpPr txBox="1"/>
-          <p:nvPr/>
-        </p:nvSpPr>
-        <p:spPr>
-          <a:xfrm>
-            <a:off x="0" y="653079"/>
-            <a:ext cx="9144000" cy="732941"/>
-          </a:xfrm>
-          <a:prstGeom prst="rect">
-            <a:avLst/>
-          </a:prstGeom>
-          <a:noFill/>
-          <a:ln>
-            <a:noFill/>
-          </a:ln>
-        </p:spPr>
-        <p:txBody>
-          <a:bodyPr tIns="91440" bIns="91440"/>
-          <a:lstStyle/>
-          <a:p>
-            <a:pPr algn="ctr">
-              <a:lnSpc>
-                <a:spcPct val="100000"/>
-              </a:lnSpc>
-            </a:pPr>
-            <a:r>
-              <a:rPr lang="pt-BR" sz="4000" spc="-1" dirty="0">
-                <a:solidFill>
-                  <a:srgbClr val="FFFFFF"/>
-                </a:solidFill>
-                <a:uFill>
-                  <a:solidFill>
-                    <a:srgbClr val="FFFFFF"/>
-                  </a:solidFill>
-                </a:uFill>
-                <a:latin typeface="Walter Turncoat"/>
-                <a:ea typeface="Walter Turncoat"/>
-              </a:rPr>
-              <a:t>Relações com outros padrões</a:t>
-            </a:r>
-            <a:endParaRPr lang="pt-BR" sz="4000" b="0" strike="noStrike" spc="-1" dirty="0" smtClean="0">
-              <a:solidFill>
-                <a:srgbClr val="FFFFFF"/>
-              </a:solidFill>
-              <a:uFill>
-                <a:solidFill>
-                  <a:srgbClr val="FFFFFF"/>
-                </a:solidFill>
-              </a:uFill>
-              <a:latin typeface="Walter Turncoat"/>
-              <a:ea typeface="Walter Turncoat"/>
-            </a:endParaRPr>
-          </a:p>
-        </p:txBody>
-      </p:sp>
-      <p:pic>
-        <p:nvPicPr>
-          <p:cNvPr id="249" name="Imagem 215"/>
-          <p:cNvPicPr/>
-          <p:nvPr/>
-        </p:nvPicPr>
-        <p:blipFill>
-          <a:blip r:embed="rId2"/>
-          <a:stretch/>
-        </p:blipFill>
-        <p:spPr>
-          <a:xfrm>
-            <a:off x="7659720" y="4770000"/>
-            <a:ext cx="1283040" cy="274320"/>
-          </a:xfrm>
-          <a:prstGeom prst="rect">
-            <a:avLst/>
-          </a:prstGeom>
-          <a:ln>
-            <a:noFill/>
-          </a:ln>
-        </p:spPr>
-      </p:pic>
-      <p:sp>
-        <p:nvSpPr>
-          <p:cNvPr id="4" name="TextShape 4"/>
-          <p:cNvSpPr txBox="1"/>
-          <p:nvPr/>
-        </p:nvSpPr>
-        <p:spPr>
-          <a:xfrm>
-            <a:off x="0" y="1656080"/>
-            <a:ext cx="9144000" cy="3113920"/>
-          </a:xfrm>
-          <a:prstGeom prst="rect">
-            <a:avLst/>
-          </a:prstGeom>
-          <a:noFill/>
-          <a:ln>
-            <a:noFill/>
-          </a:ln>
-        </p:spPr>
-        <p:txBody>
-          <a:bodyPr tIns="91440" bIns="91440"/>
-          <a:lstStyle/>
-          <a:p>
-            <a:pPr marL="457200" indent="-457200">
-              <a:lnSpc>
-                <a:spcPct val="100000"/>
-              </a:lnSpc>
-              <a:buFont typeface="Arial" panose="020B0604020202020204" pitchFamily="34" charset="0"/>
-              <a:buChar char="•"/>
-            </a:pPr>
-            <a:r>
-              <a:rPr lang="pt-BR" sz="2400" i="1" spc="-1" dirty="0" err="1">
-                <a:solidFill>
-                  <a:srgbClr val="FFFFFF"/>
-                </a:solidFill>
-                <a:uFill>
-                  <a:solidFill>
-                    <a:srgbClr val="FFFFFF"/>
-                  </a:solidFill>
-                </a:uFill>
-                <a:latin typeface="Walter Turncoat"/>
-                <a:ea typeface="Walter Turncoat"/>
-              </a:rPr>
-              <a:t>State</a:t>
-            </a:r>
-            <a:r>
-              <a:rPr lang="pt-BR" sz="2400" i="1" spc="-1" dirty="0">
-                <a:solidFill>
-                  <a:srgbClr val="FFFFFF"/>
-                </a:solidFill>
-                <a:uFill>
-                  <a:solidFill>
-                    <a:srgbClr val="FFFFFF"/>
-                  </a:solidFill>
-                </a:uFill>
-                <a:latin typeface="Walter Turncoat"/>
-                <a:ea typeface="Walter Turncoat"/>
-              </a:rPr>
-              <a:t> pode ser considerado como uma extensão do padrão </a:t>
-            </a:r>
-            <a:r>
-              <a:rPr lang="pt-BR" sz="2400" i="1" spc="-1" dirty="0" err="1">
-                <a:solidFill>
-                  <a:srgbClr val="FFFFFF"/>
-                </a:solidFill>
-                <a:uFill>
-                  <a:solidFill>
-                    <a:srgbClr val="FFFFFF"/>
-                  </a:solidFill>
-                </a:uFill>
-                <a:latin typeface="Walter Turncoat"/>
-                <a:ea typeface="Walter Turncoat"/>
-              </a:rPr>
-              <a:t>Strategy</a:t>
-            </a:r>
-            <a:r>
-              <a:rPr lang="pt-BR" sz="2400" i="1" spc="-1" dirty="0">
-                <a:solidFill>
-                  <a:srgbClr val="FFFFFF"/>
-                </a:solidFill>
-                <a:uFill>
-                  <a:solidFill>
-                    <a:srgbClr val="FFFFFF"/>
-                  </a:solidFill>
-                </a:uFill>
-                <a:latin typeface="Walter Turncoat"/>
-                <a:ea typeface="Walter Turncoat"/>
-              </a:rPr>
-              <a:t>. Ambos os padrões usam a composição para alterar o comportamento do objeto principal, delegando o trabalho aos objetos auxiliares. O padrão </a:t>
-            </a:r>
-            <a:r>
-              <a:rPr lang="pt-BR" sz="2400" i="1" spc="-1" dirty="0" err="1">
-                <a:solidFill>
-                  <a:srgbClr val="FFFFFF"/>
-                </a:solidFill>
-                <a:uFill>
-                  <a:solidFill>
-                    <a:srgbClr val="FFFFFF"/>
-                  </a:solidFill>
-                </a:uFill>
-                <a:latin typeface="Walter Turncoat"/>
-                <a:ea typeface="Walter Turncoat"/>
-              </a:rPr>
-              <a:t>Strategy</a:t>
-            </a:r>
-            <a:r>
-              <a:rPr lang="pt-BR" sz="2400" i="1" spc="-1" dirty="0">
-                <a:solidFill>
-                  <a:srgbClr val="FFFFFF"/>
-                </a:solidFill>
-                <a:uFill>
-                  <a:solidFill>
-                    <a:srgbClr val="FFFFFF"/>
-                  </a:solidFill>
-                </a:uFill>
-                <a:latin typeface="Walter Turncoat"/>
-                <a:ea typeface="Walter Turncoat"/>
-              </a:rPr>
-              <a:t> torna esses objetos completamente independentes. No entanto, o padrão </a:t>
-            </a:r>
-            <a:r>
-              <a:rPr lang="pt-BR" sz="2400" i="1" spc="-1" dirty="0" err="1">
-                <a:solidFill>
-                  <a:srgbClr val="FFFFFF"/>
-                </a:solidFill>
-                <a:uFill>
-                  <a:solidFill>
-                    <a:srgbClr val="FFFFFF"/>
-                  </a:solidFill>
-                </a:uFill>
-                <a:latin typeface="Walter Turncoat"/>
-                <a:ea typeface="Walter Turncoat"/>
-              </a:rPr>
-              <a:t>State</a:t>
-            </a:r>
-            <a:r>
-              <a:rPr lang="pt-BR" sz="2400" i="1" spc="-1" dirty="0">
-                <a:solidFill>
-                  <a:srgbClr val="FFFFFF"/>
-                </a:solidFill>
-                <a:uFill>
-                  <a:solidFill>
-                    <a:srgbClr val="FFFFFF"/>
-                  </a:solidFill>
-                </a:uFill>
-                <a:latin typeface="Walter Turncoat"/>
-                <a:ea typeface="Walter Turncoat"/>
-              </a:rPr>
-              <a:t> permite que objetos de estado alterem o estado atual do contexto com outro estado, tornando-os interdependentes.</a:t>
-            </a:r>
-            <a:endParaRPr lang="pt-BR" sz="2400" b="0" i="1" strike="noStrike" spc="-1" dirty="0" smtClean="0">
-              <a:solidFill>
-                <a:srgbClr val="FFFFFF"/>
-              </a:solidFill>
-              <a:uFill>
-                <a:solidFill>
-                  <a:srgbClr val="FFFFFF"/>
-                </a:solidFill>
-              </a:uFill>
-              <a:latin typeface="Walter Turncoat"/>
-              <a:ea typeface="Walter Turncoat"/>
-            </a:endParaRPr>
-          </a:p>
-        </p:txBody>
-      </p:sp>
-    </p:spTree>
-    <p:extLst>
-      <p:ext uri="{BB962C8B-B14F-4D97-AF65-F5344CB8AC3E}">
-        <p14:creationId xmlns:p14="http://schemas.microsoft.com/office/powerpoint/2010/main" val="1316578358"/>
-      </p:ext>
-    </p:extLst>
-  </p:cSld>
-  <p:clrMapOvr>
-    <a:masterClrMapping/>
-  </p:clrMapOvr>
-  <p:timing>
-    <p:tnLst>
-      <p:par>
-        <p:cTn id="1" dur="indefinite" restart="never" nodeType="tmRoot">
-          <p:childTnLst>
-            <p:seq>
-              <p:cTn id="2" nodeType="mainSeq"/>
-              <p:prevCondLst>
-                <p:cond evt="onPrev" delay="0">
-                  <p:tgtEl>
-                    <p:sldTgt/>
-                  </p:tgtEl>
-                </p:cond>
-              </p:prevCondLst>
-              <p:nextCondLst>
-                <p:cond evt="onNext" delay="0">
-                  <p:tgtEl>
-                    <p:sldTgt/>
-                  </p:tgtEl>
-                </p:cond>
-              </p:nextCondLst>
-            </p:seq>
-          </p:childTnLst>
-        </p:cTn>
-      </p:par>
-    </p:tnLst>
-  </p:timing>
-</p:sld>
-</file>
-
-<file path=ppt/slides/slide11.xml><?xml version="1.0" encoding="utf-8"?>
-<p:sld xmlns:a="http://schemas.openxmlformats.org/drawingml/2006/main" xmlns:r="http://schemas.openxmlformats.org/officeDocument/2006/relationships" xmlns:p="http://schemas.openxmlformats.org/presentationml/2006/main">
-  <p:cSld>
-    <p:spTree>
-      <p:nvGrpSpPr>
-        <p:cNvPr id="1" name=""/>
-        <p:cNvGrpSpPr/>
-        <p:nvPr/>
-      </p:nvGrpSpPr>
-      <p:grpSpPr>
-        <a:xfrm>
-          <a:off x="0" y="0"/>
-          <a:ext cx="0" cy="0"/>
-          <a:chOff x="0" y="0"/>
-          <a:chExt cx="0" cy="0"/>
-        </a:xfrm>
-      </p:grpSpPr>
-      <p:sp>
-        <p:nvSpPr>
-          <p:cNvPr id="234" name="TextShape 4"/>
-          <p:cNvSpPr txBox="1"/>
-          <p:nvPr/>
-        </p:nvSpPr>
-        <p:spPr>
-          <a:xfrm>
-            <a:off x="185530" y="1406013"/>
-            <a:ext cx="8757231" cy="2085936"/>
-          </a:xfrm>
-          <a:prstGeom prst="rect">
-            <a:avLst/>
-          </a:prstGeom>
-          <a:noFill/>
-          <a:ln>
-            <a:noFill/>
-          </a:ln>
-        </p:spPr>
-        <p:txBody>
-          <a:bodyPr tIns="91440" bIns="91440"/>
-          <a:lstStyle/>
-          <a:p>
-            <a:pPr algn="ctr">
-              <a:lnSpc>
-                <a:spcPct val="100000"/>
-              </a:lnSpc>
-            </a:pPr>
-            <a:endParaRPr lang="pt-BR" sz="4000" spc="-1" dirty="0">
-              <a:solidFill>
-                <a:srgbClr val="FFFFFF"/>
-              </a:solidFill>
-              <a:uFill>
-                <a:solidFill>
-                  <a:srgbClr val="FFFFFF"/>
-                </a:solidFill>
-              </a:uFill>
-              <a:latin typeface="Walter Turncoat"/>
-              <a:ea typeface="Walter Turncoat"/>
-            </a:endParaRPr>
-          </a:p>
-          <a:p>
-            <a:pPr algn="ctr">
-              <a:lnSpc>
-                <a:spcPct val="100000"/>
-              </a:lnSpc>
-            </a:pPr>
-            <a:r>
-              <a:rPr lang="pt-BR" sz="4000" spc="-1" dirty="0" smtClean="0">
-                <a:solidFill>
-                  <a:srgbClr val="FFFFFF"/>
-                </a:solidFill>
-                <a:uFill>
-                  <a:solidFill>
-                    <a:srgbClr val="FFFFFF"/>
-                  </a:solidFill>
-                </a:uFill>
-                <a:latin typeface="Walter Turncoat"/>
-                <a:ea typeface="Walter Turncoat"/>
-              </a:rPr>
-              <a:t>Perguntas?</a:t>
-            </a:r>
-            <a:endParaRPr lang="pt-BR" sz="4000" b="0" strike="noStrike" spc="-1" dirty="0" smtClean="0">
-              <a:solidFill>
-                <a:srgbClr val="FFFFFF"/>
-              </a:solidFill>
-              <a:uFill>
-                <a:solidFill>
-                  <a:srgbClr val="FFFFFF"/>
-                </a:solidFill>
-              </a:uFill>
-              <a:latin typeface="Walter Turncoat"/>
-              <a:ea typeface="Walter Turncoat"/>
-            </a:endParaRPr>
-          </a:p>
-        </p:txBody>
-      </p:sp>
-      <p:pic>
-        <p:nvPicPr>
-          <p:cNvPr id="249" name="Imagem 215"/>
-          <p:cNvPicPr/>
-          <p:nvPr/>
-        </p:nvPicPr>
-        <p:blipFill>
-          <a:blip r:embed="rId2"/>
-          <a:stretch/>
-        </p:blipFill>
-        <p:spPr>
-          <a:xfrm>
-            <a:off x="7659720" y="4770000"/>
-            <a:ext cx="1283040" cy="274320"/>
-          </a:xfrm>
-          <a:prstGeom prst="rect">
-            <a:avLst/>
-          </a:prstGeom>
-          <a:ln>
-            <a:noFill/>
-          </a:ln>
-        </p:spPr>
-      </p:pic>
-    </p:spTree>
-    <p:extLst>
-      <p:ext uri="{BB962C8B-B14F-4D97-AF65-F5344CB8AC3E}">
-        <p14:creationId xmlns:p14="http://schemas.microsoft.com/office/powerpoint/2010/main" val="752388403"/>
-      </p:ext>
-    </p:extLst>
-  </p:cSld>
-  <p:clrMapOvr>
-    <a:masterClrMapping/>
-  </p:clrMapOvr>
-  <p:timing>
-    <p:tnLst>
-      <p:par>
-        <p:cTn id="1" dur="indefinite" restart="never" nodeType="tmRoot">
-          <p:childTnLst>
-            <p:seq>
-              <p:cTn id="2" nodeType="mainSeq"/>
-              <p:prevCondLst>
-                <p:cond evt="onPrev" delay="0">
-                  <p:tgtEl>
-                    <p:sldTgt/>
-                  </p:tgtEl>
-                </p:cond>
-              </p:prevCondLst>
-              <p:nextCondLst>
-                <p:cond evt="onNext" delay="0">
-                  <p:tgtEl>
-                    <p:sldTgt/>
-                  </p:tgtEl>
-                </p:cond>
-              </p:nextCondLst>
-            </p:seq>
-          </p:childTnLst>
-        </p:cTn>
-      </p:par>
-    </p:tnLst>
-  </p:timing>
-</p:sld>
-</file>
-
 <file path=ppt/slides/slide2.xml><?xml version="1.0" encoding="utf-8"?>
 <p:sld xmlns:a="http://schemas.openxmlformats.org/drawingml/2006/main" xmlns:r="http://schemas.openxmlformats.org/officeDocument/2006/relationships" xmlns:p="http://schemas.openxmlformats.org/presentationml/2006/main">
   <p:cSld>
@@ -6885,9 +6423,11 @@
               <a:buChar char="•"/>
             </a:pPr>
             <a:r>
-              <a:rPr lang="pt-BR" sz="2800" i="1" spc="-1" dirty="0" err="1">
-                <a:solidFill>
-                  <a:srgbClr val="FFFFFF"/>
+              <a:rPr lang="pt-BR" sz="2400" i="1" spc="-1" dirty="0" err="1">
+                <a:solidFill>
+                  <a:schemeClr val="accent6">
+                    <a:lumMod val="75000"/>
+                  </a:schemeClr>
                 </a:solidFill>
                 <a:uFill>
                   <a:solidFill>
@@ -6900,9 +6440,11 @@
               <a:t>State</a:t>
             </a:r>
             <a:r>
-              <a:rPr lang="pt-BR" sz="2800" i="1" spc="-1" dirty="0">
-                <a:solidFill>
-                  <a:srgbClr val="FFFFFF"/>
+              <a:rPr lang="pt-BR" sz="2400" i="1" spc="-1" dirty="0">
+                <a:solidFill>
+                  <a:schemeClr val="accent6">
+                    <a:lumMod val="75000"/>
+                  </a:schemeClr>
                 </a:solidFill>
                 <a:uFill>
                   <a:solidFill>
@@ -6915,9 +6457,11 @@
               <a:t>, </a:t>
             </a:r>
             <a:r>
-              <a:rPr lang="pt-BR" sz="2800" i="1" spc="-1" dirty="0" err="1">
-                <a:solidFill>
-                  <a:srgbClr val="FFFFFF"/>
+              <a:rPr lang="pt-BR" sz="2400" i="1" spc="-1" dirty="0" err="1">
+                <a:solidFill>
+                  <a:schemeClr val="accent6">
+                    <a:lumMod val="75000"/>
+                  </a:schemeClr>
                 </a:solidFill>
                 <a:uFill>
                   <a:solidFill>
@@ -6930,9 +6474,11 @@
               <a:t>Strategy</a:t>
             </a:r>
             <a:r>
-              <a:rPr lang="pt-BR" sz="2800" i="1" spc="-1" dirty="0">
-                <a:solidFill>
-                  <a:srgbClr val="FFFFFF"/>
+              <a:rPr lang="pt-BR" sz="2400" i="1" spc="-1" dirty="0">
+                <a:solidFill>
+                  <a:schemeClr val="accent6">
+                    <a:lumMod val="75000"/>
+                  </a:schemeClr>
                 </a:solidFill>
                 <a:uFill>
                   <a:solidFill>
@@ -6942,10 +6488,10 @@
                 <a:latin typeface="Walter Turncoat"/>
                 <a:ea typeface="Walter Turncoat"/>
               </a:rPr>
-              <a:t>, Bridge (e até certo ponto </a:t>
-            </a:r>
-            <a:r>
-              <a:rPr lang="pt-BR" sz="2800" i="1" spc="-1" dirty="0" err="1">
+              <a:t>, Bridge </a:t>
+            </a:r>
+            <a:r>
+              <a:rPr lang="pt-BR" sz="2400" i="1" spc="-1" dirty="0">
                 <a:solidFill>
                   <a:srgbClr val="FFFFFF"/>
                 </a:solidFill>
@@ -6957,12 +6503,14 @@
                 <a:latin typeface="Walter Turncoat"/>
                 <a:ea typeface="Walter Turncoat"/>
               </a:rPr>
-              <a:t>Adapter</a:t>
-            </a:r>
-            <a:r>
-              <a:rPr lang="pt-BR" sz="2800" i="1" spc="-1" dirty="0">
-                <a:solidFill>
-                  <a:srgbClr val="FFFFFF"/>
+              <a:t>(e até certo ponto </a:t>
+            </a:r>
+            <a:r>
+              <a:rPr lang="pt-BR" sz="2400" i="1" spc="-1" dirty="0" err="1">
+                <a:solidFill>
+                  <a:schemeClr val="accent6">
+                    <a:lumMod val="75000"/>
+                  </a:schemeClr>
                 </a:solidFill>
                 <a:uFill>
                   <a:solidFill>
@@ -6972,10 +6520,25 @@
                 <a:latin typeface="Walter Turncoat"/>
                 <a:ea typeface="Walter Turncoat"/>
               </a:rPr>
+              <a:t>Adapter</a:t>
+            </a:r>
+            <a:r>
+              <a:rPr lang="pt-BR" sz="2400" i="1" spc="-1" dirty="0">
+                <a:solidFill>
+                  <a:srgbClr val="FFFFFF"/>
+                </a:solidFill>
+                <a:uFill>
+                  <a:solidFill>
+                    <a:srgbClr val="FFFFFF"/>
+                  </a:solidFill>
+                </a:uFill>
+                <a:latin typeface="Walter Turncoat"/>
+                <a:ea typeface="Walter Turncoat"/>
+              </a:rPr>
               <a:t>) têm estruturas de solução semelhantes. Eles diferem em intenção, isto é, eles resolvem problemas diferentes</a:t>
             </a:r>
             <a:r>
-              <a:rPr lang="pt-BR" sz="2800" i="1" spc="-1" dirty="0" smtClean="0">
+              <a:rPr lang="pt-BR" sz="2400" i="1" spc="-1" dirty="0" smtClean="0">
                 <a:solidFill>
                   <a:srgbClr val="FFFFFF"/>
                 </a:solidFill>
@@ -6999,9 +6562,11 @@
               <a:buChar char="•"/>
             </a:pPr>
             <a:r>
-              <a:rPr lang="pt-BR" sz="2800" i="1" spc="-1" dirty="0" err="1">
-                <a:solidFill>
-                  <a:srgbClr val="FFFFFF"/>
+              <a:rPr lang="pt-BR" sz="2400" i="1" spc="-1" dirty="0" err="1">
+                <a:solidFill>
+                  <a:schemeClr val="accent6">
+                    <a:lumMod val="75000"/>
+                  </a:schemeClr>
                 </a:solidFill>
                 <a:uFill>
                   <a:solidFill>
@@ -7014,7 +6579,7 @@
               <a:t>Decorator</a:t>
             </a:r>
             <a:r>
-              <a:rPr lang="pt-BR" sz="2800" i="1" spc="-1" dirty="0">
+              <a:rPr lang="pt-BR" sz="2400" i="1" spc="-1" dirty="0">
                 <a:solidFill>
                   <a:srgbClr val="FFFFFF"/>
                 </a:solidFill>
@@ -7029,7 +6594,7 @@
               <a:t> permite que você mude a pele de um objeto. </a:t>
             </a:r>
             <a:r>
-              <a:rPr lang="pt-BR" sz="2800" i="1" spc="-1" dirty="0" err="1">
+              <a:rPr lang="pt-BR" sz="2400" i="1" spc="-1" dirty="0" err="1">
                 <a:solidFill>
                   <a:srgbClr val="FFFFFF"/>
                 </a:solidFill>
@@ -7044,7 +6609,7 @@
               <a:t>Strategy</a:t>
             </a:r>
             <a:r>
-              <a:rPr lang="pt-BR" sz="2800" i="1" spc="-1" dirty="0">
+              <a:rPr lang="pt-BR" sz="2400" i="1" spc="-1" dirty="0">
                 <a:solidFill>
                   <a:srgbClr val="FFFFFF"/>
                 </a:solidFill>
@@ -7056,9 +6621,150 @@
                 <a:latin typeface="Walter Turncoat"/>
                 <a:ea typeface="Walter Turncoat"/>
               </a:rPr>
-              <a:t> permite que você mude o interior.</a:t>
-            </a:r>
-            <a:endParaRPr lang="pt-BR" sz="2800" b="0" i="1" strike="noStrike" spc="-1" dirty="0" smtClean="0">
+              <a:t> permite que você mude o interior</a:t>
+            </a:r>
+            <a:r>
+              <a:rPr lang="pt-BR" sz="2400" i="1" spc="-1" dirty="0" smtClean="0">
+                <a:solidFill>
+                  <a:srgbClr val="FFFFFF"/>
+                </a:solidFill>
+                <a:uFill>
+                  <a:solidFill>
+                    <a:srgbClr val="FFFFFF"/>
+                  </a:solidFill>
+                </a:uFill>
+                <a:latin typeface="Walter Turncoat"/>
+                <a:ea typeface="Walter Turncoat"/>
+              </a:rPr>
+              <a:t>.</a:t>
+            </a:r>
+          </a:p>
+          <a:p>
+            <a:pPr marL="457200" indent="-457200">
+              <a:buFont typeface="Arial" panose="020B0604020202020204" pitchFamily="34" charset="0"/>
+              <a:buChar char="•"/>
+            </a:pPr>
+            <a:r>
+              <a:rPr lang="pt-BR" sz="2400" i="1" spc="-1" dirty="0" err="1">
+                <a:solidFill>
+                  <a:schemeClr val="accent6">
+                    <a:lumMod val="75000"/>
+                  </a:schemeClr>
+                </a:solidFill>
+                <a:uFill>
+                  <a:solidFill>
+                    <a:srgbClr val="FFFFFF"/>
+                  </a:solidFill>
+                </a:uFill>
+                <a:latin typeface="Walter Turncoat"/>
+                <a:ea typeface="Walter Turncoat"/>
+              </a:rPr>
+              <a:t>Template</a:t>
+            </a:r>
+            <a:r>
+              <a:rPr lang="pt-BR" sz="2400" i="1" spc="-1" dirty="0">
+                <a:solidFill>
+                  <a:schemeClr val="accent6">
+                    <a:lumMod val="75000"/>
+                  </a:schemeClr>
+                </a:solidFill>
+                <a:uFill>
+                  <a:solidFill>
+                    <a:srgbClr val="FFFFFF"/>
+                  </a:solidFill>
+                </a:uFill>
+                <a:latin typeface="Walter Turncoat"/>
+                <a:ea typeface="Walter Turncoat"/>
+              </a:rPr>
+              <a:t> </a:t>
+            </a:r>
+            <a:r>
+              <a:rPr lang="pt-BR" sz="2400" i="1" spc="-1" dirty="0" err="1">
+                <a:solidFill>
+                  <a:schemeClr val="accent6">
+                    <a:lumMod val="75000"/>
+                  </a:schemeClr>
+                </a:solidFill>
+                <a:uFill>
+                  <a:solidFill>
+                    <a:srgbClr val="FFFFFF"/>
+                  </a:solidFill>
+                </a:uFill>
+                <a:latin typeface="Walter Turncoat"/>
+                <a:ea typeface="Walter Turncoat"/>
+              </a:rPr>
+              <a:t>Method</a:t>
+            </a:r>
+            <a:r>
+              <a:rPr lang="pt-BR" sz="2400" i="1" spc="-1" dirty="0">
+                <a:solidFill>
+                  <a:schemeClr val="accent6">
+                    <a:lumMod val="75000"/>
+                  </a:schemeClr>
+                </a:solidFill>
+                <a:uFill>
+                  <a:solidFill>
+                    <a:srgbClr val="FFFFFF"/>
+                  </a:solidFill>
+                </a:uFill>
+                <a:latin typeface="Walter Turncoat"/>
+                <a:ea typeface="Walter Turncoat"/>
+              </a:rPr>
+              <a:t> </a:t>
+            </a:r>
+            <a:r>
+              <a:rPr lang="pt-BR" sz="2400" i="1" spc="-1" dirty="0">
+                <a:solidFill>
+                  <a:srgbClr val="FFFFFF"/>
+                </a:solidFill>
+                <a:uFill>
+                  <a:solidFill>
+                    <a:srgbClr val="FFFFFF"/>
+                  </a:solidFill>
+                </a:uFill>
+                <a:latin typeface="Walter Turncoat"/>
+                <a:ea typeface="Walter Turncoat"/>
+              </a:rPr>
+              <a:t>funciona no nível da classe usando herança para alterar o algoritmo. </a:t>
+            </a:r>
+            <a:r>
+              <a:rPr lang="pt-BR" sz="2400" i="1" spc="-1" dirty="0" err="1">
+                <a:solidFill>
+                  <a:srgbClr val="FFFFFF"/>
+                </a:solidFill>
+                <a:uFill>
+                  <a:solidFill>
+                    <a:srgbClr val="FFFFFF"/>
+                  </a:solidFill>
+                </a:uFill>
+                <a:latin typeface="Walter Turncoat"/>
+                <a:ea typeface="Walter Turncoat"/>
+              </a:rPr>
+              <a:t>Strategy</a:t>
+            </a:r>
+            <a:r>
+              <a:rPr lang="pt-BR" sz="2400" i="1" spc="-1" dirty="0">
+                <a:solidFill>
+                  <a:srgbClr val="FFFFFF"/>
+                </a:solidFill>
+                <a:uFill>
+                  <a:solidFill>
+                    <a:srgbClr val="FFFFFF"/>
+                  </a:solidFill>
+                </a:uFill>
+                <a:latin typeface="Walter Turncoat"/>
+                <a:ea typeface="Walter Turncoat"/>
+              </a:rPr>
+              <a:t> usa composição que permite que você altere o comportamento de objetos individuais.</a:t>
+            </a:r>
+          </a:p>
+          <a:p>
+            <a:pPr>
+              <a:lnSpc>
+                <a:spcPct val="100000"/>
+              </a:lnSpc>
+            </a:pPr>
+            <a:endParaRPr lang="pt-BR" sz="2000" b="0" i="1" strike="noStrike" spc="-1" dirty="0" smtClean="0">
               <a:solidFill>
                 <a:srgbClr val="FFFFFF"/>
               </a:solidFill>
@@ -7138,8 +6844,8 @@
         </p:nvSpPr>
         <p:spPr>
           <a:xfrm>
-            <a:off x="0" y="653079"/>
-            <a:ext cx="9144000" cy="732941"/>
+            <a:off x="185530" y="1406013"/>
+            <a:ext cx="8757231" cy="2085936"/>
           </a:xfrm>
           <a:prstGeom prst="rect">
             <a:avLst/>
@@ -7158,8 +6864,27 @@
                 <a:spcPct val="100000"/>
               </a:lnSpc>
             </a:pPr>
-            <a:r>
-              <a:rPr lang="pt-BR" sz="4000" spc="-1" dirty="0">
+            <a:endParaRPr lang="pt-BR" sz="4000" spc="-1" dirty="0">
+              <a:solidFill>
+                <a:srgbClr val="FFFFFF"/>
+              </a:solidFill>
+              <a:uFill>
+                <a:solidFill>
+                  <a:srgbClr val="FFFFFF"/>
+                </a:solidFill>
+              </a:uFill>
+              <a:latin typeface="Walter Turncoat"/>
+              <a:ea typeface="Walter Turncoat"/>
+            </a:endParaRPr>
+          </a:p>
+          <a:p>
+            <a:pPr algn="ctr">
+              <a:lnSpc>
+                <a:spcPct val="100000"/>
+              </a:lnSpc>
+            </a:pPr>
+            <a:r>
+              <a:rPr lang="pt-BR" sz="4000" spc="-1" dirty="0" smtClean="0">
                 <a:solidFill>
                   <a:srgbClr val="FFFFFF"/>
                 </a:solidFill>
@@ -7171,7 +6896,7 @@
                 <a:latin typeface="Walter Turncoat"/>
                 <a:ea typeface="Walter Turncoat"/>
               </a:rPr>
-              <a:t>Relações com outros padrões</a:t>
+              <a:t>Perguntas?</a:t>
             </a:r>
             <a:endParaRPr lang="pt-BR" sz="4000" b="0" strike="noStrike" spc="-1" dirty="0" smtClean="0">
               <a:solidFill>
@@ -7211,265 +6936,10 @@
           </a:ln>
         </p:spPr>
       </p:pic>
-      <p:sp>
-        <p:nvSpPr>
-          <p:cNvPr id="4" name="TextShape 4"/>
-          <p:cNvSpPr txBox="1"/>
-          <p:nvPr/>
-        </p:nvSpPr>
-        <p:spPr>
-          <a:xfrm>
-            <a:off x="0" y="1656080"/>
-            <a:ext cx="9144000" cy="3113920"/>
-          </a:xfrm>
-          <a:prstGeom prst="rect">
-            <a:avLst/>
-          </a:prstGeom>
-          <a:noFill/>
-          <a:ln>
-            <a:noFill/>
-          </a:ln>
-        </p:spPr>
-        <p:txBody>
-          <a:bodyPr tIns="91440" bIns="91440"/>
-          <a:lstStyle/>
-          <a:p>
-            <a:pPr marL="457200" indent="-457200">
-              <a:lnSpc>
-                <a:spcPct val="100000"/>
-              </a:lnSpc>
-              <a:buFont typeface="Arial" panose="020B0604020202020204" pitchFamily="34" charset="0"/>
-              <a:buChar char="•"/>
-            </a:pPr>
-            <a:r>
-              <a:rPr lang="pt-BR" sz="2400" i="1" spc="-1" dirty="0">
-                <a:solidFill>
-                  <a:srgbClr val="FFFFFF"/>
-                </a:solidFill>
-                <a:uFill>
-                  <a:solidFill>
-                    <a:srgbClr val="FFFFFF"/>
-                  </a:solidFill>
-                </a:uFill>
-                <a:latin typeface="Walter Turncoat"/>
-                <a:ea typeface="Walter Turncoat"/>
-              </a:rPr>
-              <a:t>O </a:t>
-            </a:r>
-            <a:r>
-              <a:rPr lang="pt-BR" sz="2400" i="1" spc="-1" dirty="0" err="1">
-                <a:solidFill>
-                  <a:srgbClr val="FFFFFF"/>
-                </a:solidFill>
-                <a:uFill>
-                  <a:solidFill>
-                    <a:srgbClr val="FFFFFF"/>
-                  </a:solidFill>
-                </a:uFill>
-                <a:latin typeface="Walter Turncoat"/>
-                <a:ea typeface="Walter Turncoat"/>
-              </a:rPr>
-              <a:t>Template</a:t>
-            </a:r>
-            <a:r>
-              <a:rPr lang="pt-BR" sz="2400" i="1" spc="-1" dirty="0">
-                <a:solidFill>
-                  <a:srgbClr val="FFFFFF"/>
-                </a:solidFill>
-                <a:uFill>
-                  <a:solidFill>
-                    <a:srgbClr val="FFFFFF"/>
-                  </a:solidFill>
-                </a:uFill>
-                <a:latin typeface="Walter Turncoat"/>
-                <a:ea typeface="Walter Turncoat"/>
-              </a:rPr>
-              <a:t> </a:t>
-            </a:r>
-            <a:r>
-              <a:rPr lang="pt-BR" sz="2400" i="1" spc="-1" dirty="0" err="1">
-                <a:solidFill>
-                  <a:srgbClr val="FFFFFF"/>
-                </a:solidFill>
-                <a:uFill>
-                  <a:solidFill>
-                    <a:srgbClr val="FFFFFF"/>
-                  </a:solidFill>
-                </a:uFill>
-                <a:latin typeface="Walter Turncoat"/>
-                <a:ea typeface="Walter Turncoat"/>
-              </a:rPr>
-              <a:t>Method</a:t>
-            </a:r>
-            <a:r>
-              <a:rPr lang="pt-BR" sz="2400" i="1" spc="-1" dirty="0">
-                <a:solidFill>
-                  <a:srgbClr val="FFFFFF"/>
-                </a:solidFill>
-                <a:uFill>
-                  <a:solidFill>
-                    <a:srgbClr val="FFFFFF"/>
-                  </a:solidFill>
-                </a:uFill>
-                <a:latin typeface="Walter Turncoat"/>
-                <a:ea typeface="Walter Turncoat"/>
-              </a:rPr>
-              <a:t> usa herança para alterar o algoritmo estendendo suas partes em classes diferentes. </a:t>
-            </a:r>
-            <a:r>
-              <a:rPr lang="pt-BR" sz="2400" i="1" spc="-1" dirty="0" err="1">
-                <a:solidFill>
-                  <a:srgbClr val="FFFFFF"/>
-                </a:solidFill>
-                <a:uFill>
-                  <a:solidFill>
-                    <a:srgbClr val="FFFFFF"/>
-                  </a:solidFill>
-                </a:uFill>
-                <a:latin typeface="Walter Turncoat"/>
-                <a:ea typeface="Walter Turncoat"/>
-              </a:rPr>
-              <a:t>Strategy</a:t>
-            </a:r>
-            <a:r>
-              <a:rPr lang="pt-BR" sz="2400" i="1" spc="-1" dirty="0">
-                <a:solidFill>
-                  <a:srgbClr val="FFFFFF"/>
-                </a:solidFill>
-                <a:uFill>
-                  <a:solidFill>
-                    <a:srgbClr val="FFFFFF"/>
-                  </a:solidFill>
-                </a:uFill>
-                <a:latin typeface="Walter Turncoat"/>
-                <a:ea typeface="Walter Turncoat"/>
-              </a:rPr>
-              <a:t> usa delegação para alterar o comportamento do objeto, substituindo o objeto de estratégia </a:t>
-            </a:r>
-            <a:r>
-              <a:rPr lang="pt-BR" sz="2400" i="1" spc="-1" dirty="0" smtClean="0">
-                <a:solidFill>
-                  <a:srgbClr val="FFFFFF"/>
-                </a:solidFill>
-                <a:uFill>
-                  <a:solidFill>
-                    <a:srgbClr val="FFFFFF"/>
-                  </a:solidFill>
-                </a:uFill>
-                <a:latin typeface="Walter Turncoat"/>
-                <a:ea typeface="Walter Turncoat"/>
-              </a:rPr>
-              <a:t>aninhada. </a:t>
-            </a:r>
-            <a:r>
-              <a:rPr lang="pt-BR" sz="2400" i="1" spc="-1" dirty="0" err="1" smtClean="0">
-                <a:solidFill>
-                  <a:srgbClr val="FFFFFF"/>
-                </a:solidFill>
-                <a:uFill>
-                  <a:solidFill>
-                    <a:srgbClr val="FFFFFF"/>
-                  </a:solidFill>
-                </a:uFill>
-                <a:latin typeface="Walter Turncoat"/>
-                <a:ea typeface="Walter Turncoat"/>
-              </a:rPr>
-              <a:t>Template</a:t>
-            </a:r>
-            <a:r>
-              <a:rPr lang="pt-BR" sz="2400" i="1" spc="-1" dirty="0" smtClean="0">
-                <a:solidFill>
-                  <a:srgbClr val="FFFFFF"/>
-                </a:solidFill>
-                <a:uFill>
-                  <a:solidFill>
-                    <a:srgbClr val="FFFFFF"/>
-                  </a:solidFill>
-                </a:uFill>
-                <a:latin typeface="Walter Turncoat"/>
-                <a:ea typeface="Walter Turncoat"/>
-              </a:rPr>
-              <a:t> </a:t>
-            </a:r>
-            <a:r>
-              <a:rPr lang="pt-BR" sz="2400" i="1" spc="-1" dirty="0" err="1">
-                <a:solidFill>
-                  <a:srgbClr val="FFFFFF"/>
-                </a:solidFill>
-                <a:uFill>
-                  <a:solidFill>
-                    <a:srgbClr val="FFFFFF"/>
-                  </a:solidFill>
-                </a:uFill>
-                <a:latin typeface="Walter Turncoat"/>
-                <a:ea typeface="Walter Turncoat"/>
-              </a:rPr>
-              <a:t>Method</a:t>
-            </a:r>
-            <a:r>
-              <a:rPr lang="pt-BR" sz="2400" i="1" spc="-1" dirty="0">
-                <a:solidFill>
-                  <a:srgbClr val="FFFFFF"/>
-                </a:solidFill>
-                <a:uFill>
-                  <a:solidFill>
-                    <a:srgbClr val="FFFFFF"/>
-                  </a:solidFill>
-                </a:uFill>
-                <a:latin typeface="Walter Turncoat"/>
-                <a:ea typeface="Walter Turncoat"/>
-              </a:rPr>
-              <a:t> funciona no nível da classe. </a:t>
-            </a:r>
-            <a:r>
-              <a:rPr lang="pt-BR" sz="2400" i="1" spc="-1" dirty="0" err="1">
-                <a:solidFill>
-                  <a:srgbClr val="FFFFFF"/>
-                </a:solidFill>
-                <a:uFill>
-                  <a:solidFill>
-                    <a:srgbClr val="FFFFFF"/>
-                  </a:solidFill>
-                </a:uFill>
-                <a:latin typeface="Walter Turncoat"/>
-                <a:ea typeface="Walter Turncoat"/>
-              </a:rPr>
-              <a:t>Strategy</a:t>
-            </a:r>
-            <a:r>
-              <a:rPr lang="pt-BR" sz="2400" i="1" spc="-1" dirty="0">
-                <a:solidFill>
-                  <a:srgbClr val="FFFFFF"/>
-                </a:solidFill>
-                <a:uFill>
-                  <a:solidFill>
-                    <a:srgbClr val="FFFFFF"/>
-                  </a:solidFill>
-                </a:uFill>
-                <a:latin typeface="Walter Turncoat"/>
-                <a:ea typeface="Walter Turncoat"/>
-              </a:rPr>
-              <a:t> permite que você altere o comportamento de objetos individuais.</a:t>
-            </a:r>
-            <a:endParaRPr lang="pt-BR" sz="2400" b="0" i="1" strike="noStrike" spc="-1" dirty="0" smtClean="0">
-              <a:solidFill>
-                <a:srgbClr val="FFFFFF"/>
-              </a:solidFill>
-              <a:uFill>
-                <a:solidFill>
-                  <a:srgbClr val="FFFFFF"/>
-                </a:solidFill>
-              </a:uFill>
-              <a:latin typeface="Walter Turncoat"/>
-              <a:ea typeface="Walter Turncoat"/>
-            </a:endParaRPr>
-          </a:p>
-        </p:txBody>
-      </p:sp>
     </p:spTree>
     <p:extLst>
       <p:ext uri="{BB962C8B-B14F-4D97-AF65-F5344CB8AC3E}">
-        <p14:creationId xmlns:p14="http://schemas.microsoft.com/office/powerpoint/2010/main" val="1868051907"/>
+        <p14:creationId xmlns:p14="http://schemas.microsoft.com/office/powerpoint/2010/main" val="752388403"/>
       </p:ext>
     </p:extLst>
   </p:cSld>
